--- a/assets/shapes.pptx
+++ b/assets/shapes.pptx
@@ -7,8 +7,9 @@
   <p:sldIdLst>
     <p:sldId id="257" r:id="rId2"/>
     <p:sldId id="258" r:id="rId3"/>
-    <p:sldId id="259" r:id="rId4"/>
-    <p:sldId id="261" r:id="rId5"/>
+    <p:sldId id="262" r:id="rId4"/>
+    <p:sldId id="259" r:id="rId5"/>
+    <p:sldId id="261" r:id="rId6"/>
   </p:sldIdLst>
   <p:sldSz cx="12192000" cy="6858000"/>
   <p:notesSz cx="6858000" cy="9144000"/>
@@ -264,7 +265,7 @@
           <a:p>
             <a:fld id="{2E97C940-9DF5-2B4B-B480-A8112D0B8196}" type="datetimeFigureOut">
               <a:rPr lang="en-ES" smtClean="0"/>
-              <a:t>26/5/23</a:t>
+              <a:t>9/5/24</a:t>
             </a:fld>
             <a:endParaRPr lang="en-ES"/>
           </a:p>
@@ -464,7 +465,7 @@
           <a:p>
             <a:fld id="{2E97C940-9DF5-2B4B-B480-A8112D0B8196}" type="datetimeFigureOut">
               <a:rPr lang="en-ES" smtClean="0"/>
-              <a:t>26/5/23</a:t>
+              <a:t>9/5/24</a:t>
             </a:fld>
             <a:endParaRPr lang="en-ES"/>
           </a:p>
@@ -674,7 +675,7 @@
           <a:p>
             <a:fld id="{2E97C940-9DF5-2B4B-B480-A8112D0B8196}" type="datetimeFigureOut">
               <a:rPr lang="en-ES" smtClean="0"/>
-              <a:t>26/5/23</a:t>
+              <a:t>9/5/24</a:t>
             </a:fld>
             <a:endParaRPr lang="en-ES"/>
           </a:p>
@@ -874,7 +875,7 @@
           <a:p>
             <a:fld id="{2E97C940-9DF5-2B4B-B480-A8112D0B8196}" type="datetimeFigureOut">
               <a:rPr lang="en-ES" smtClean="0"/>
-              <a:t>26/5/23</a:t>
+              <a:t>9/5/24</a:t>
             </a:fld>
             <a:endParaRPr lang="en-ES"/>
           </a:p>
@@ -1150,7 +1151,7 @@
           <a:p>
             <a:fld id="{2E97C940-9DF5-2B4B-B480-A8112D0B8196}" type="datetimeFigureOut">
               <a:rPr lang="en-ES" smtClean="0"/>
-              <a:t>26/5/23</a:t>
+              <a:t>9/5/24</a:t>
             </a:fld>
             <a:endParaRPr lang="en-ES"/>
           </a:p>
@@ -1418,7 +1419,7 @@
           <a:p>
             <a:fld id="{2E97C940-9DF5-2B4B-B480-A8112D0B8196}" type="datetimeFigureOut">
               <a:rPr lang="en-ES" smtClean="0"/>
-              <a:t>26/5/23</a:t>
+              <a:t>9/5/24</a:t>
             </a:fld>
             <a:endParaRPr lang="en-ES"/>
           </a:p>
@@ -1833,7 +1834,7 @@
           <a:p>
             <a:fld id="{2E97C940-9DF5-2B4B-B480-A8112D0B8196}" type="datetimeFigureOut">
               <a:rPr lang="en-ES" smtClean="0"/>
-              <a:t>26/5/23</a:t>
+              <a:t>9/5/24</a:t>
             </a:fld>
             <a:endParaRPr lang="en-ES"/>
           </a:p>
@@ -1975,7 +1976,7 @@
           <a:p>
             <a:fld id="{2E97C940-9DF5-2B4B-B480-A8112D0B8196}" type="datetimeFigureOut">
               <a:rPr lang="en-ES" smtClean="0"/>
-              <a:t>26/5/23</a:t>
+              <a:t>9/5/24</a:t>
             </a:fld>
             <a:endParaRPr lang="en-ES"/>
           </a:p>
@@ -2088,7 +2089,7 @@
           <a:p>
             <a:fld id="{2E97C940-9DF5-2B4B-B480-A8112D0B8196}" type="datetimeFigureOut">
               <a:rPr lang="en-ES" smtClean="0"/>
-              <a:t>26/5/23</a:t>
+              <a:t>9/5/24</a:t>
             </a:fld>
             <a:endParaRPr lang="en-ES"/>
           </a:p>
@@ -2401,7 +2402,7 @@
           <a:p>
             <a:fld id="{2E97C940-9DF5-2B4B-B480-A8112D0B8196}" type="datetimeFigureOut">
               <a:rPr lang="en-ES" smtClean="0"/>
-              <a:t>26/5/23</a:t>
+              <a:t>9/5/24</a:t>
             </a:fld>
             <a:endParaRPr lang="en-ES"/>
           </a:p>
@@ -2690,7 +2691,7 @@
           <a:p>
             <a:fld id="{2E97C940-9DF5-2B4B-B480-A8112D0B8196}" type="datetimeFigureOut">
               <a:rPr lang="en-ES" smtClean="0"/>
-              <a:t>26/5/23</a:t>
+              <a:t>9/5/24</a:t>
             </a:fld>
             <a:endParaRPr lang="en-ES"/>
           </a:p>
@@ -2933,7 +2934,7 @@
           <a:p>
             <a:fld id="{2E97C940-9DF5-2B4B-B480-A8112D0B8196}" type="datetimeFigureOut">
               <a:rPr lang="en-ES" smtClean="0"/>
-              <a:t>26/5/23</a:t>
+              <a:t>9/5/24</a:t>
             </a:fld>
             <a:endParaRPr lang="en-ES"/>
           </a:p>
@@ -4726,6 +4727,770 @@
   <p:cSld>
     <p:spTree>
       <p:nvGrpSpPr>
+        <p:cNvPr id="1" name="">
+          <a:extLst>
+            <a:ext uri="{FF2B5EF4-FFF2-40B4-BE49-F238E27FC236}">
+              <a16:creationId xmlns:a16="http://schemas.microsoft.com/office/drawing/2014/main" id="{E1192FC3-15FF-DCDD-C4E1-F647F184199E}"/>
+            </a:ext>
+          </a:extLst>
+        </p:cNvPr>
+        <p:cNvGrpSpPr/>
+        <p:nvPr/>
+      </p:nvGrpSpPr>
+      <p:grpSpPr>
+        <a:xfrm>
+          <a:off x="0" y="0"/>
+          <a:ext cx="0" cy="0"/>
+          <a:chOff x="0" y="0"/>
+          <a:chExt cx="0" cy="0"/>
+        </a:xfrm>
+      </p:grpSpPr>
+      <p:pic>
+        <p:nvPicPr>
+          <p:cNvPr id="1028" name="Picture 4" descr="コロナウイルスの変異株のイラスト3">
+            <a:extLst>
+              <a:ext uri="{FF2B5EF4-FFF2-40B4-BE49-F238E27FC236}">
+                <a16:creationId xmlns:a16="http://schemas.microsoft.com/office/drawing/2014/main" id="{6963C720-D1E3-53AB-E2B4-1EFA594917F9}"/>
+              </a:ext>
+            </a:extLst>
+          </p:cNvPr>
+          <p:cNvPicPr>
+            <a:picLocks noChangeAspect="1" noChangeArrowheads="1"/>
+          </p:cNvPicPr>
+          <p:nvPr/>
+        </p:nvPicPr>
+        <p:blipFill>
+          <a:blip r:embed="rId2">
+            <a:extLst>
+              <a:ext uri="{28A0092B-C50C-407E-A947-70E740481C1C}">
+                <a14:useLocalDpi xmlns:a14="http://schemas.microsoft.com/office/drawing/2010/main" val="0"/>
+              </a:ext>
+            </a:extLst>
+          </a:blip>
+          <a:srcRect/>
+          <a:stretch>
+            <a:fillRect/>
+          </a:stretch>
+        </p:blipFill>
+        <p:spPr bwMode="auto">
+          <a:xfrm>
+            <a:off x="7842469" y="626241"/>
+            <a:ext cx="1227959" cy="1227959"/>
+          </a:xfrm>
+          <a:prstGeom prst="rect">
+            <a:avLst/>
+          </a:prstGeom>
+          <a:noFill/>
+          <a:extLst>
+            <a:ext uri="{909E8E84-426E-40DD-AFC4-6F175D3DCCD1}">
+              <a14:hiddenFill xmlns:a14="http://schemas.microsoft.com/office/drawing/2010/main">
+                <a:solidFill>
+                  <a:srgbClr val="FFFFFF"/>
+                </a:solidFill>
+              </a14:hiddenFill>
+            </a:ext>
+          </a:extLst>
+        </p:spPr>
+      </p:pic>
+      <p:pic>
+        <p:nvPicPr>
+          <p:cNvPr id="1030" name="Picture 6" descr="コロナウイルスの変異株のイラスト2">
+            <a:extLst>
+              <a:ext uri="{FF2B5EF4-FFF2-40B4-BE49-F238E27FC236}">
+                <a16:creationId xmlns:a16="http://schemas.microsoft.com/office/drawing/2014/main" id="{3115E931-CFF7-B217-A404-E4FF23BCA339}"/>
+              </a:ext>
+            </a:extLst>
+          </p:cNvPr>
+          <p:cNvPicPr>
+            <a:picLocks noChangeAspect="1" noChangeArrowheads="1"/>
+          </p:cNvPicPr>
+          <p:nvPr/>
+        </p:nvPicPr>
+        <p:blipFill>
+          <a:blip r:embed="rId3">
+            <a:extLst>
+              <a:ext uri="{28A0092B-C50C-407E-A947-70E740481C1C}">
+                <a14:useLocalDpi xmlns:a14="http://schemas.microsoft.com/office/drawing/2010/main" val="0"/>
+              </a:ext>
+            </a:extLst>
+          </a:blip>
+          <a:srcRect/>
+          <a:stretch>
+            <a:fillRect/>
+          </a:stretch>
+        </p:blipFill>
+        <p:spPr bwMode="auto">
+          <a:xfrm>
+            <a:off x="7842469" y="4560486"/>
+            <a:ext cx="1227959" cy="1227959"/>
+          </a:xfrm>
+          <a:prstGeom prst="rect">
+            <a:avLst/>
+          </a:prstGeom>
+          <a:noFill/>
+          <a:extLst>
+            <a:ext uri="{909E8E84-426E-40DD-AFC4-6F175D3DCCD1}">
+              <a14:hiddenFill xmlns:a14="http://schemas.microsoft.com/office/drawing/2010/main">
+                <a:solidFill>
+                  <a:srgbClr val="FFFFFF"/>
+                </a:solidFill>
+              </a14:hiddenFill>
+            </a:ext>
+          </a:extLst>
+        </p:spPr>
+      </p:pic>
+      <p:pic>
+        <p:nvPicPr>
+          <p:cNvPr id="1032" name="Picture 8">
+            <a:extLst>
+              <a:ext uri="{FF2B5EF4-FFF2-40B4-BE49-F238E27FC236}">
+                <a16:creationId xmlns:a16="http://schemas.microsoft.com/office/drawing/2014/main" id="{C90BD0B1-3E7F-6AE1-570B-6FEDB015215F}"/>
+              </a:ext>
+            </a:extLst>
+          </p:cNvPr>
+          <p:cNvPicPr>
+            <a:picLocks noChangeAspect="1" noChangeArrowheads="1"/>
+          </p:cNvPicPr>
+          <p:nvPr/>
+        </p:nvPicPr>
+        <p:blipFill>
+          <a:blip r:embed="rId4">
+            <a:extLst>
+              <a:ext uri="{28A0092B-C50C-407E-A947-70E740481C1C}">
+                <a14:useLocalDpi xmlns:a14="http://schemas.microsoft.com/office/drawing/2010/main" val="0"/>
+              </a:ext>
+            </a:extLst>
+          </a:blip>
+          <a:srcRect/>
+          <a:stretch>
+            <a:fillRect/>
+          </a:stretch>
+        </p:blipFill>
+        <p:spPr bwMode="auto">
+          <a:xfrm>
+            <a:off x="5077969" y="2910525"/>
+            <a:ext cx="1347916" cy="1347916"/>
+          </a:xfrm>
+          <a:prstGeom prst="rect">
+            <a:avLst/>
+          </a:prstGeom>
+          <a:noFill/>
+          <a:extLst>
+            <a:ext uri="{909E8E84-426E-40DD-AFC4-6F175D3DCCD1}">
+              <a14:hiddenFill xmlns:a14="http://schemas.microsoft.com/office/drawing/2010/main">
+                <a:solidFill>
+                  <a:srgbClr val="FFFFFF"/>
+                </a:solidFill>
+              </a14:hiddenFill>
+            </a:ext>
+          </a:extLst>
+        </p:spPr>
+      </p:pic>
+      <p:pic>
+        <p:nvPicPr>
+          <p:cNvPr id="7" name="Picture 10" descr="カラフルな矢印のイラスト2">
+            <a:extLst>
+              <a:ext uri="{FF2B5EF4-FFF2-40B4-BE49-F238E27FC236}">
+                <a16:creationId xmlns:a16="http://schemas.microsoft.com/office/drawing/2014/main" id="{66393583-5145-1F4C-5D2F-3E239108DA4E}"/>
+              </a:ext>
+            </a:extLst>
+          </p:cNvPr>
+          <p:cNvPicPr>
+            <a:picLocks noChangeAspect="1" noChangeArrowheads="1"/>
+          </p:cNvPicPr>
+          <p:nvPr/>
+        </p:nvPicPr>
+        <p:blipFill>
+          <a:blip r:embed="rId5">
+            <a:extLst>
+              <a:ext uri="{28A0092B-C50C-407E-A947-70E740481C1C}">
+                <a14:useLocalDpi xmlns:a14="http://schemas.microsoft.com/office/drawing/2010/main" val="0"/>
+              </a:ext>
+            </a:extLst>
+          </a:blip>
+          <a:srcRect/>
+          <a:stretch>
+            <a:fillRect/>
+          </a:stretch>
+        </p:blipFill>
+        <p:spPr bwMode="auto">
+          <a:xfrm rot="8148047">
+            <a:off x="6393472" y="2241629"/>
+            <a:ext cx="1329225" cy="531690"/>
+          </a:xfrm>
+          <a:prstGeom prst="rect">
+            <a:avLst/>
+          </a:prstGeom>
+          <a:noFill/>
+          <a:extLst>
+            <a:ext uri="{909E8E84-426E-40DD-AFC4-6F175D3DCCD1}">
+              <a14:hiddenFill xmlns:a14="http://schemas.microsoft.com/office/drawing/2010/main">
+                <a:solidFill>
+                  <a:srgbClr val="FFFFFF"/>
+                </a:solidFill>
+              </a14:hiddenFill>
+            </a:ext>
+          </a:extLst>
+        </p:spPr>
+      </p:pic>
+      <p:pic>
+        <p:nvPicPr>
+          <p:cNvPr id="8" name="Picture 10" descr="カラフルな矢印のイラスト2">
+            <a:extLst>
+              <a:ext uri="{FF2B5EF4-FFF2-40B4-BE49-F238E27FC236}">
+                <a16:creationId xmlns:a16="http://schemas.microsoft.com/office/drawing/2014/main" id="{C648F36B-47BB-E949-108C-F674793C73CB}"/>
+              </a:ext>
+            </a:extLst>
+          </p:cNvPr>
+          <p:cNvPicPr>
+            <a:picLocks noChangeAspect="1" noChangeArrowheads="1"/>
+          </p:cNvPicPr>
+          <p:nvPr/>
+        </p:nvPicPr>
+        <p:blipFill>
+          <a:blip r:embed="rId5">
+            <a:extLst>
+              <a:ext uri="{28A0092B-C50C-407E-A947-70E740481C1C}">
+                <a14:useLocalDpi xmlns:a14="http://schemas.microsoft.com/office/drawing/2010/main" val="0"/>
+              </a:ext>
+            </a:extLst>
+          </a:blip>
+          <a:srcRect/>
+          <a:stretch>
+            <a:fillRect/>
+          </a:stretch>
+        </p:blipFill>
+        <p:spPr bwMode="auto">
+          <a:xfrm rot="12745560">
+            <a:off x="6396275" y="3818835"/>
+            <a:ext cx="1329225" cy="531690"/>
+          </a:xfrm>
+          <a:prstGeom prst="rect">
+            <a:avLst/>
+          </a:prstGeom>
+          <a:noFill/>
+          <a:extLst>
+            <a:ext uri="{909E8E84-426E-40DD-AFC4-6F175D3DCCD1}">
+              <a14:hiddenFill xmlns:a14="http://schemas.microsoft.com/office/drawing/2010/main">
+                <a:solidFill>
+                  <a:srgbClr val="FFFFFF"/>
+                </a:solidFill>
+              </a14:hiddenFill>
+            </a:ext>
+          </a:extLst>
+        </p:spPr>
+      </p:pic>
+      <p:sp>
+        <p:nvSpPr>
+          <p:cNvPr id="9" name="TextBox 8">
+            <a:extLst>
+              <a:ext uri="{FF2B5EF4-FFF2-40B4-BE49-F238E27FC236}">
+                <a16:creationId xmlns:a16="http://schemas.microsoft.com/office/drawing/2014/main" id="{6DA9BD92-970E-FD80-48F1-62C9E0FFFDEE}"/>
+              </a:ext>
+            </a:extLst>
+          </p:cNvPr>
+          <p:cNvSpPr txBox="1"/>
+          <p:nvPr/>
+        </p:nvSpPr>
+        <p:spPr>
+          <a:xfrm>
+            <a:off x="8253508" y="2112848"/>
+            <a:ext cx="405880" cy="369332"/>
+          </a:xfrm>
+          <a:prstGeom prst="rect">
+            <a:avLst/>
+          </a:prstGeom>
+          <a:noFill/>
+        </p:spPr>
+        <p:txBody>
+          <a:bodyPr wrap="none" rtlCol="0">
+            <a:spAutoFit/>
+          </a:bodyPr>
+          <a:lstStyle/>
+          <a:p>
+            <a:r>
+              <a:rPr lang="en-ES" dirty="0"/>
+              <a:t>v1</a:t>
+            </a:r>
+          </a:p>
+        </p:txBody>
+      </p:sp>
+      <p:sp>
+        <p:nvSpPr>
+          <p:cNvPr id="10" name="TextBox 9">
+            <a:extLst>
+              <a:ext uri="{FF2B5EF4-FFF2-40B4-BE49-F238E27FC236}">
+                <a16:creationId xmlns:a16="http://schemas.microsoft.com/office/drawing/2014/main" id="{562E182B-5C2F-8C0F-D947-FE9C5FFF2580}"/>
+              </a:ext>
+            </a:extLst>
+          </p:cNvPr>
+          <p:cNvSpPr txBox="1"/>
+          <p:nvPr/>
+        </p:nvSpPr>
+        <p:spPr>
+          <a:xfrm>
+            <a:off x="8253508" y="6047093"/>
+            <a:ext cx="405880" cy="369332"/>
+          </a:xfrm>
+          <a:prstGeom prst="rect">
+            <a:avLst/>
+          </a:prstGeom>
+          <a:noFill/>
+        </p:spPr>
+        <p:txBody>
+          <a:bodyPr wrap="none" rtlCol="0">
+            <a:spAutoFit/>
+          </a:bodyPr>
+          <a:lstStyle/>
+          <a:p>
+            <a:r>
+              <a:rPr lang="en-ES" dirty="0"/>
+              <a:t>v2</a:t>
+            </a:r>
+          </a:p>
+        </p:txBody>
+      </p:sp>
+      <p:pic>
+        <p:nvPicPr>
+          <p:cNvPr id="11" name="Picture 4" descr="コロナウイルスの変異株のイラスト3">
+            <a:extLst>
+              <a:ext uri="{FF2B5EF4-FFF2-40B4-BE49-F238E27FC236}">
+                <a16:creationId xmlns:a16="http://schemas.microsoft.com/office/drawing/2014/main" id="{7924E339-9C55-E697-C54B-888C4861B6DE}"/>
+              </a:ext>
+            </a:extLst>
+          </p:cNvPr>
+          <p:cNvPicPr>
+            <a:picLocks noChangeAspect="1" noChangeArrowheads="1"/>
+          </p:cNvPicPr>
+          <p:nvPr/>
+        </p:nvPicPr>
+        <p:blipFill>
+          <a:blip r:embed="rId2">
+            <a:extLst>
+              <a:ext uri="{28A0092B-C50C-407E-A947-70E740481C1C}">
+                <a14:useLocalDpi xmlns:a14="http://schemas.microsoft.com/office/drawing/2010/main" val="0"/>
+              </a:ext>
+            </a:extLst>
+          </a:blip>
+          <a:srcRect/>
+          <a:stretch>
+            <a:fillRect/>
+          </a:stretch>
+        </p:blipFill>
+        <p:spPr bwMode="auto">
+          <a:xfrm>
+            <a:off x="9070428" y="625587"/>
+            <a:ext cx="1227959" cy="1227959"/>
+          </a:xfrm>
+          <a:prstGeom prst="rect">
+            <a:avLst/>
+          </a:prstGeom>
+          <a:noFill/>
+          <a:extLst>
+            <a:ext uri="{909E8E84-426E-40DD-AFC4-6F175D3DCCD1}">
+              <a14:hiddenFill xmlns:a14="http://schemas.microsoft.com/office/drawing/2010/main">
+                <a:solidFill>
+                  <a:srgbClr val="FFFFFF"/>
+                </a:solidFill>
+              </a14:hiddenFill>
+            </a:ext>
+          </a:extLst>
+        </p:spPr>
+      </p:pic>
+      <p:pic>
+        <p:nvPicPr>
+          <p:cNvPr id="12" name="Picture 4" descr="コロナウイルスの変異株のイラスト3">
+            <a:extLst>
+              <a:ext uri="{FF2B5EF4-FFF2-40B4-BE49-F238E27FC236}">
+                <a16:creationId xmlns:a16="http://schemas.microsoft.com/office/drawing/2014/main" id="{50886B6B-14ED-A59D-72B8-11CC11CA6E5D}"/>
+              </a:ext>
+            </a:extLst>
+          </p:cNvPr>
+          <p:cNvPicPr>
+            <a:picLocks noChangeAspect="1" noChangeArrowheads="1"/>
+          </p:cNvPicPr>
+          <p:nvPr/>
+        </p:nvPicPr>
+        <p:blipFill>
+          <a:blip r:embed="rId2">
+            <a:extLst>
+              <a:ext uri="{28A0092B-C50C-407E-A947-70E740481C1C}">
+                <a14:useLocalDpi xmlns:a14="http://schemas.microsoft.com/office/drawing/2010/main" val="0"/>
+              </a:ext>
+            </a:extLst>
+          </a:blip>
+          <a:srcRect/>
+          <a:stretch>
+            <a:fillRect/>
+          </a:stretch>
+        </p:blipFill>
+        <p:spPr bwMode="auto">
+          <a:xfrm>
+            <a:off x="10298387" y="625586"/>
+            <a:ext cx="1227959" cy="1227959"/>
+          </a:xfrm>
+          <a:prstGeom prst="rect">
+            <a:avLst/>
+          </a:prstGeom>
+          <a:noFill/>
+          <a:extLst>
+            <a:ext uri="{909E8E84-426E-40DD-AFC4-6F175D3DCCD1}">
+              <a14:hiddenFill xmlns:a14="http://schemas.microsoft.com/office/drawing/2010/main">
+                <a:solidFill>
+                  <a:srgbClr val="FFFFFF"/>
+                </a:solidFill>
+              </a14:hiddenFill>
+            </a:ext>
+          </a:extLst>
+        </p:spPr>
+      </p:pic>
+      <p:pic>
+        <p:nvPicPr>
+          <p:cNvPr id="13" name="Picture 6" descr="コロナウイルスの変異株のイラスト2">
+            <a:extLst>
+              <a:ext uri="{FF2B5EF4-FFF2-40B4-BE49-F238E27FC236}">
+                <a16:creationId xmlns:a16="http://schemas.microsoft.com/office/drawing/2014/main" id="{F4CB9A18-460D-3BFF-A0B4-E85150510970}"/>
+              </a:ext>
+            </a:extLst>
+          </p:cNvPr>
+          <p:cNvPicPr>
+            <a:picLocks noChangeAspect="1" noChangeArrowheads="1"/>
+          </p:cNvPicPr>
+          <p:nvPr/>
+        </p:nvPicPr>
+        <p:blipFill>
+          <a:blip r:embed="rId3">
+            <a:extLst>
+              <a:ext uri="{28A0092B-C50C-407E-A947-70E740481C1C}">
+                <a14:useLocalDpi xmlns:a14="http://schemas.microsoft.com/office/drawing/2010/main" val="0"/>
+              </a:ext>
+            </a:extLst>
+          </a:blip>
+          <a:srcRect/>
+          <a:stretch>
+            <a:fillRect/>
+          </a:stretch>
+        </p:blipFill>
+        <p:spPr bwMode="auto">
+          <a:xfrm>
+            <a:off x="9067730" y="4559831"/>
+            <a:ext cx="1227959" cy="1227959"/>
+          </a:xfrm>
+          <a:prstGeom prst="rect">
+            <a:avLst/>
+          </a:prstGeom>
+          <a:noFill/>
+          <a:extLst>
+            <a:ext uri="{909E8E84-426E-40DD-AFC4-6F175D3DCCD1}">
+              <a14:hiddenFill xmlns:a14="http://schemas.microsoft.com/office/drawing/2010/main">
+                <a:solidFill>
+                  <a:srgbClr val="FFFFFF"/>
+                </a:solidFill>
+              </a14:hiddenFill>
+            </a:ext>
+          </a:extLst>
+        </p:spPr>
+      </p:pic>
+      <p:pic>
+        <p:nvPicPr>
+          <p:cNvPr id="14" name="Picture 6" descr="コロナウイルスの変異株のイラスト2">
+            <a:extLst>
+              <a:ext uri="{FF2B5EF4-FFF2-40B4-BE49-F238E27FC236}">
+                <a16:creationId xmlns:a16="http://schemas.microsoft.com/office/drawing/2014/main" id="{C73EFC68-95BC-8DF2-489F-5209C0C5C1B3}"/>
+              </a:ext>
+            </a:extLst>
+          </p:cNvPr>
+          <p:cNvPicPr>
+            <a:picLocks noChangeAspect="1" noChangeArrowheads="1"/>
+          </p:cNvPicPr>
+          <p:nvPr/>
+        </p:nvPicPr>
+        <p:blipFill>
+          <a:blip r:embed="rId3">
+            <a:extLst>
+              <a:ext uri="{28A0092B-C50C-407E-A947-70E740481C1C}">
+                <a14:useLocalDpi xmlns:a14="http://schemas.microsoft.com/office/drawing/2010/main" val="0"/>
+              </a:ext>
+            </a:extLst>
+          </a:blip>
+          <a:srcRect/>
+          <a:stretch>
+            <a:fillRect/>
+          </a:stretch>
+        </p:blipFill>
+        <p:spPr bwMode="auto">
+          <a:xfrm>
+            <a:off x="10298386" y="4559831"/>
+            <a:ext cx="1227959" cy="1227959"/>
+          </a:xfrm>
+          <a:prstGeom prst="rect">
+            <a:avLst/>
+          </a:prstGeom>
+          <a:noFill/>
+          <a:extLst>
+            <a:ext uri="{909E8E84-426E-40DD-AFC4-6F175D3DCCD1}">
+              <a14:hiddenFill xmlns:a14="http://schemas.microsoft.com/office/drawing/2010/main">
+                <a:solidFill>
+                  <a:srgbClr val="FFFFFF"/>
+                </a:solidFill>
+              </a14:hiddenFill>
+            </a:ext>
+          </a:extLst>
+        </p:spPr>
+      </p:pic>
+      <p:pic>
+        <p:nvPicPr>
+          <p:cNvPr id="3074" name="Picture 2" descr="集合している人たちのイラスト（私服の若者）">
+            <a:extLst>
+              <a:ext uri="{FF2B5EF4-FFF2-40B4-BE49-F238E27FC236}">
+                <a16:creationId xmlns:a16="http://schemas.microsoft.com/office/drawing/2014/main" id="{2DD9AD58-2B43-D7B4-713D-A25E4A934619}"/>
+              </a:ext>
+            </a:extLst>
+          </p:cNvPr>
+          <p:cNvPicPr>
+            <a:picLocks noChangeAspect="1" noChangeArrowheads="1"/>
+          </p:cNvPicPr>
+          <p:nvPr/>
+        </p:nvPicPr>
+        <p:blipFill>
+          <a:blip r:embed="rId6">
+            <a:extLst>
+              <a:ext uri="{28A0092B-C50C-407E-A947-70E740481C1C}">
+                <a14:useLocalDpi xmlns:a14="http://schemas.microsoft.com/office/drawing/2010/main" val="0"/>
+              </a:ext>
+            </a:extLst>
+          </a:blip>
+          <a:srcRect/>
+          <a:stretch>
+            <a:fillRect/>
+          </a:stretch>
+        </p:blipFill>
+        <p:spPr bwMode="auto">
+          <a:xfrm>
+            <a:off x="445918" y="2174023"/>
+            <a:ext cx="3156475" cy="2513702"/>
+          </a:xfrm>
+          <a:prstGeom prst="rect">
+            <a:avLst/>
+          </a:prstGeom>
+          <a:noFill/>
+          <a:extLst>
+            <a:ext uri="{909E8E84-426E-40DD-AFC4-6F175D3DCCD1}">
+              <a14:hiddenFill xmlns:a14="http://schemas.microsoft.com/office/drawing/2010/main">
+                <a:solidFill>
+                  <a:srgbClr val="FFFFFF"/>
+                </a:solidFill>
+              </a14:hiddenFill>
+            </a:ext>
+          </a:extLst>
+        </p:spPr>
+      </p:pic>
+      <p:pic>
+        <p:nvPicPr>
+          <p:cNvPr id="3" name="Picture 4" descr="コロナウイルスの変異株のイラスト3">
+            <a:extLst>
+              <a:ext uri="{FF2B5EF4-FFF2-40B4-BE49-F238E27FC236}">
+                <a16:creationId xmlns:a16="http://schemas.microsoft.com/office/drawing/2014/main" id="{5D4864A3-F519-5562-335C-8C7A62C526F7}"/>
+              </a:ext>
+            </a:extLst>
+          </p:cNvPr>
+          <p:cNvPicPr>
+            <a:picLocks noChangeAspect="1" noChangeArrowheads="1"/>
+          </p:cNvPicPr>
+          <p:nvPr/>
+        </p:nvPicPr>
+        <p:blipFill>
+          <a:blip r:embed="rId2">
+            <a:extLst>
+              <a:ext uri="{28A0092B-C50C-407E-A947-70E740481C1C}">
+                <a14:useLocalDpi xmlns:a14="http://schemas.microsoft.com/office/drawing/2010/main" val="0"/>
+              </a:ext>
+            </a:extLst>
+          </a:blip>
+          <a:srcRect/>
+          <a:stretch>
+            <a:fillRect/>
+          </a:stretch>
+        </p:blipFill>
+        <p:spPr bwMode="auto">
+          <a:xfrm>
+            <a:off x="8253508" y="1650614"/>
+            <a:ext cx="1227959" cy="1227959"/>
+          </a:xfrm>
+          <a:prstGeom prst="rect">
+            <a:avLst/>
+          </a:prstGeom>
+          <a:noFill/>
+          <a:extLst>
+            <a:ext uri="{909E8E84-426E-40DD-AFC4-6F175D3DCCD1}">
+              <a14:hiddenFill xmlns:a14="http://schemas.microsoft.com/office/drawing/2010/main">
+                <a:solidFill>
+                  <a:srgbClr val="FFFFFF"/>
+                </a:solidFill>
+              </a14:hiddenFill>
+            </a:ext>
+          </a:extLst>
+        </p:spPr>
+      </p:pic>
+      <p:pic>
+        <p:nvPicPr>
+          <p:cNvPr id="4" name="Picture 4" descr="コロナウイルスの変異株のイラスト3">
+            <a:extLst>
+              <a:ext uri="{FF2B5EF4-FFF2-40B4-BE49-F238E27FC236}">
+                <a16:creationId xmlns:a16="http://schemas.microsoft.com/office/drawing/2014/main" id="{8504CECC-A056-E635-CAFF-FDA3E4E8687D}"/>
+              </a:ext>
+            </a:extLst>
+          </p:cNvPr>
+          <p:cNvPicPr>
+            <a:picLocks noChangeAspect="1" noChangeArrowheads="1"/>
+          </p:cNvPicPr>
+          <p:nvPr/>
+        </p:nvPicPr>
+        <p:blipFill>
+          <a:blip r:embed="rId2">
+            <a:extLst>
+              <a:ext uri="{28A0092B-C50C-407E-A947-70E740481C1C}">
+                <a14:useLocalDpi xmlns:a14="http://schemas.microsoft.com/office/drawing/2010/main" val="0"/>
+              </a:ext>
+            </a:extLst>
+          </a:blip>
+          <a:srcRect/>
+          <a:stretch>
+            <a:fillRect/>
+          </a:stretch>
+        </p:blipFill>
+        <p:spPr bwMode="auto">
+          <a:xfrm>
+            <a:off x="9476308" y="1618614"/>
+            <a:ext cx="1227959" cy="1227959"/>
+          </a:xfrm>
+          <a:prstGeom prst="rect">
+            <a:avLst/>
+          </a:prstGeom>
+          <a:noFill/>
+          <a:extLst>
+            <a:ext uri="{909E8E84-426E-40DD-AFC4-6F175D3DCCD1}">
+              <a14:hiddenFill xmlns:a14="http://schemas.microsoft.com/office/drawing/2010/main">
+                <a:solidFill>
+                  <a:srgbClr val="FFFFFF"/>
+                </a:solidFill>
+              </a14:hiddenFill>
+            </a:ext>
+          </a:extLst>
+        </p:spPr>
+      </p:pic>
+      <p:pic>
+        <p:nvPicPr>
+          <p:cNvPr id="5" name="Picture 4" descr="コロナウイルスの変異株のイラスト3">
+            <a:extLst>
+              <a:ext uri="{FF2B5EF4-FFF2-40B4-BE49-F238E27FC236}">
+                <a16:creationId xmlns:a16="http://schemas.microsoft.com/office/drawing/2014/main" id="{25038CB6-7772-9766-FB24-86F526614718}"/>
+              </a:ext>
+            </a:extLst>
+          </p:cNvPr>
+          <p:cNvPicPr>
+            <a:picLocks noChangeAspect="1" noChangeArrowheads="1"/>
+          </p:cNvPicPr>
+          <p:nvPr/>
+        </p:nvPicPr>
+        <p:blipFill>
+          <a:blip r:embed="rId2">
+            <a:extLst>
+              <a:ext uri="{28A0092B-C50C-407E-A947-70E740481C1C}">
+                <a14:useLocalDpi xmlns:a14="http://schemas.microsoft.com/office/drawing/2010/main" val="0"/>
+              </a:ext>
+            </a:extLst>
+          </a:blip>
+          <a:srcRect/>
+          <a:stretch>
+            <a:fillRect/>
+          </a:stretch>
+        </p:blipFill>
+        <p:spPr bwMode="auto">
+          <a:xfrm>
+            <a:off x="10704267" y="1618613"/>
+            <a:ext cx="1227959" cy="1227959"/>
+          </a:xfrm>
+          <a:prstGeom prst="rect">
+            <a:avLst/>
+          </a:prstGeom>
+          <a:noFill/>
+          <a:extLst>
+            <a:ext uri="{909E8E84-426E-40DD-AFC4-6F175D3DCCD1}">
+              <a14:hiddenFill xmlns:a14="http://schemas.microsoft.com/office/drawing/2010/main">
+                <a:solidFill>
+                  <a:srgbClr val="FFFFFF"/>
+                </a:solidFill>
+              </a14:hiddenFill>
+            </a:ext>
+          </a:extLst>
+        </p:spPr>
+      </p:pic>
+      <p:pic>
+        <p:nvPicPr>
+          <p:cNvPr id="16" name="Picture 10" descr="カラフルな矢印のイラスト2">
+            <a:extLst>
+              <a:ext uri="{FF2B5EF4-FFF2-40B4-BE49-F238E27FC236}">
+                <a16:creationId xmlns:a16="http://schemas.microsoft.com/office/drawing/2014/main" id="{BE4D3BD2-6F73-7002-E2F9-C9EDBE0A2490}"/>
+              </a:ext>
+            </a:extLst>
+          </p:cNvPr>
+          <p:cNvPicPr>
+            <a:picLocks noChangeAspect="1" noChangeArrowheads="1"/>
+          </p:cNvPicPr>
+          <p:nvPr/>
+        </p:nvPicPr>
+        <p:blipFill>
+          <a:blip r:embed="rId5">
+            <a:extLst>
+              <a:ext uri="{28A0092B-C50C-407E-A947-70E740481C1C}">
+                <a14:useLocalDpi xmlns:a14="http://schemas.microsoft.com/office/drawing/2010/main" val="0"/>
+              </a:ext>
+            </a:extLst>
+          </a:blip>
+          <a:srcRect/>
+          <a:stretch>
+            <a:fillRect/>
+          </a:stretch>
+        </p:blipFill>
+        <p:spPr bwMode="auto">
+          <a:xfrm rot="10800000">
+            <a:off x="3655707" y="3318638"/>
+            <a:ext cx="1329225" cy="531690"/>
+          </a:xfrm>
+          <a:prstGeom prst="rect">
+            <a:avLst/>
+          </a:prstGeom>
+          <a:noFill/>
+          <a:extLst>
+            <a:ext uri="{909E8E84-426E-40DD-AFC4-6F175D3DCCD1}">
+              <a14:hiddenFill xmlns:a14="http://schemas.microsoft.com/office/drawing/2010/main">
+                <a:solidFill>
+                  <a:srgbClr val="FFFFFF"/>
+                </a:solidFill>
+              </a14:hiddenFill>
+            </a:ext>
+          </a:extLst>
+        </p:spPr>
+      </p:pic>
+    </p:spTree>
+    <p:extLst>
+      <p:ext uri="{BB962C8B-B14F-4D97-AF65-F5344CB8AC3E}">
+        <p14:creationId xmlns:p14="http://schemas.microsoft.com/office/powerpoint/2010/main" val="436722885"/>
+      </p:ext>
+    </p:extLst>
+  </p:cSld>
+  <p:clrMapOvr>
+    <a:masterClrMapping/>
+  </p:clrMapOvr>
+</p:sld>
+</file>
+
+<file path=ppt/slides/slide4.xml><?xml version="1.0" encoding="utf-8"?>
+<p:sld xmlns:a="http://schemas.openxmlformats.org/drawingml/2006/main" xmlns:r="http://schemas.openxmlformats.org/officeDocument/2006/relationships" xmlns:p="http://schemas.openxmlformats.org/presentationml/2006/main">
+  <p:cSld>
+    <p:spTree>
+      <p:nvGrpSpPr>
         <p:cNvPr id="1" name=""/>
         <p:cNvGrpSpPr/>
         <p:nvPr/>
@@ -5345,7 +6110,7 @@
 </p:sld>
 </file>
 
-<file path=ppt/slides/slide4.xml><?xml version="1.0" encoding="utf-8"?>
+<file path=ppt/slides/slide5.xml><?xml version="1.0" encoding="utf-8"?>
 <p:sld xmlns:a="http://schemas.openxmlformats.org/drawingml/2006/main" xmlns:r="http://schemas.openxmlformats.org/officeDocument/2006/relationships" xmlns:p="http://schemas.openxmlformats.org/presentationml/2006/main">
   <p:cSld>
     <p:spTree>
